--- a/blog/picture/myicon.pptx
+++ b/blog/picture/myicon.pptx
@@ -263,7 +263,7 @@
           <a:p>
             <a:fld id="{1E1C4DE5-8338-4545-B41E-A4FE33E6C99C}" type="datetimeFigureOut">
               <a:rPr lang="zh-TW" altLang="en-US" smtClean="0"/>
-              <a:t>2022/1/31</a:t>
+              <a:t>2022/2/4</a:t>
             </a:fld>
             <a:endParaRPr lang="zh-TW" altLang="en-US"/>
           </a:p>
@@ -461,7 +461,7 @@
           <a:p>
             <a:fld id="{1E1C4DE5-8338-4545-B41E-A4FE33E6C99C}" type="datetimeFigureOut">
               <a:rPr lang="zh-TW" altLang="en-US" smtClean="0"/>
-              <a:t>2022/1/31</a:t>
+              <a:t>2022/2/4</a:t>
             </a:fld>
             <a:endParaRPr lang="zh-TW" altLang="en-US"/>
           </a:p>
@@ -669,7 +669,7 @@
           <a:p>
             <a:fld id="{1E1C4DE5-8338-4545-B41E-A4FE33E6C99C}" type="datetimeFigureOut">
               <a:rPr lang="zh-TW" altLang="en-US" smtClean="0"/>
-              <a:t>2022/1/31</a:t>
+              <a:t>2022/2/4</a:t>
             </a:fld>
             <a:endParaRPr lang="zh-TW" altLang="en-US"/>
           </a:p>
@@ -867,7 +867,7 @@
           <a:p>
             <a:fld id="{1E1C4DE5-8338-4545-B41E-A4FE33E6C99C}" type="datetimeFigureOut">
               <a:rPr lang="zh-TW" altLang="en-US" smtClean="0"/>
-              <a:t>2022/1/31</a:t>
+              <a:t>2022/2/4</a:t>
             </a:fld>
             <a:endParaRPr lang="zh-TW" altLang="en-US"/>
           </a:p>
@@ -1142,7 +1142,7 @@
           <a:p>
             <a:fld id="{1E1C4DE5-8338-4545-B41E-A4FE33E6C99C}" type="datetimeFigureOut">
               <a:rPr lang="zh-TW" altLang="en-US" smtClean="0"/>
-              <a:t>2022/1/31</a:t>
+              <a:t>2022/2/4</a:t>
             </a:fld>
             <a:endParaRPr lang="zh-TW" altLang="en-US"/>
           </a:p>
@@ -1407,7 +1407,7 @@
           <a:p>
             <a:fld id="{1E1C4DE5-8338-4545-B41E-A4FE33E6C99C}" type="datetimeFigureOut">
               <a:rPr lang="zh-TW" altLang="en-US" smtClean="0"/>
-              <a:t>2022/1/31</a:t>
+              <a:t>2022/2/4</a:t>
             </a:fld>
             <a:endParaRPr lang="zh-TW" altLang="en-US"/>
           </a:p>
@@ -1819,7 +1819,7 @@
           <a:p>
             <a:fld id="{1E1C4DE5-8338-4545-B41E-A4FE33E6C99C}" type="datetimeFigureOut">
               <a:rPr lang="zh-TW" altLang="en-US" smtClean="0"/>
-              <a:t>2022/1/31</a:t>
+              <a:t>2022/2/4</a:t>
             </a:fld>
             <a:endParaRPr lang="zh-TW" altLang="en-US"/>
           </a:p>
@@ -1960,7 +1960,7 @@
           <a:p>
             <a:fld id="{1E1C4DE5-8338-4545-B41E-A4FE33E6C99C}" type="datetimeFigureOut">
               <a:rPr lang="zh-TW" altLang="en-US" smtClean="0"/>
-              <a:t>2022/1/31</a:t>
+              <a:t>2022/2/4</a:t>
             </a:fld>
             <a:endParaRPr lang="zh-TW" altLang="en-US"/>
           </a:p>
@@ -2073,7 +2073,7 @@
           <a:p>
             <a:fld id="{1E1C4DE5-8338-4545-B41E-A4FE33E6C99C}" type="datetimeFigureOut">
               <a:rPr lang="zh-TW" altLang="en-US" smtClean="0"/>
-              <a:t>2022/1/31</a:t>
+              <a:t>2022/2/4</a:t>
             </a:fld>
             <a:endParaRPr lang="zh-TW" altLang="en-US"/>
           </a:p>
@@ -2384,7 +2384,7 @@
           <a:p>
             <a:fld id="{1E1C4DE5-8338-4545-B41E-A4FE33E6C99C}" type="datetimeFigureOut">
               <a:rPr lang="zh-TW" altLang="en-US" smtClean="0"/>
-              <a:t>2022/1/31</a:t>
+              <a:t>2022/2/4</a:t>
             </a:fld>
             <a:endParaRPr lang="zh-TW" altLang="en-US"/>
           </a:p>
@@ -2672,7 +2672,7 @@
           <a:p>
             <a:fld id="{1E1C4DE5-8338-4545-B41E-A4FE33E6C99C}" type="datetimeFigureOut">
               <a:rPr lang="zh-TW" altLang="en-US" smtClean="0"/>
-              <a:t>2022/1/31</a:t>
+              <a:t>2022/2/4</a:t>
             </a:fld>
             <a:endParaRPr lang="zh-TW" altLang="en-US"/>
           </a:p>
@@ -2913,7 +2913,7 @@
           <a:p>
             <a:fld id="{1E1C4DE5-8338-4545-B41E-A4FE33E6C99C}" type="datetimeFigureOut">
               <a:rPr lang="zh-TW" altLang="en-US" smtClean="0"/>
-              <a:t>2022/1/31</a:t>
+              <a:t>2022/2/4</a:t>
             </a:fld>
             <a:endParaRPr lang="zh-TW" altLang="en-US"/>
           </a:p>
@@ -5710,6 +5710,58 @@
           </a:p>
         </p:txBody>
       </p:sp>
+      <p:sp>
+        <p:nvSpPr>
+          <p:cNvPr id="2" name="等腰三角形 1">
+            <a:extLst>
+              <a:ext uri="{FF2B5EF4-FFF2-40B4-BE49-F238E27FC236}">
+                <a16:creationId xmlns:a16="http://schemas.microsoft.com/office/drawing/2014/main" id="{8719B3CC-9292-4D58-BF49-BF7E572BDC22}"/>
+              </a:ext>
+            </a:extLst>
+          </p:cNvPr>
+          <p:cNvSpPr/>
+          <p:nvPr/>
+        </p:nvSpPr>
+        <p:spPr>
+          <a:xfrm>
+            <a:off x="3982720" y="4303800"/>
+            <a:ext cx="711200" cy="613103"/>
+          </a:xfrm>
+          <a:prstGeom prst="triangle">
+            <a:avLst/>
+          </a:prstGeom>
+          <a:solidFill>
+            <a:srgbClr val="B854D2"/>
+          </a:solidFill>
+          <a:ln>
+            <a:noFill/>
+          </a:ln>
+        </p:spPr>
+        <p:style>
+          <a:lnRef idx="2">
+            <a:schemeClr val="accent1">
+              <a:shade val="50000"/>
+            </a:schemeClr>
+          </a:lnRef>
+          <a:fillRef idx="1">
+            <a:schemeClr val="accent1"/>
+          </a:fillRef>
+          <a:effectRef idx="0">
+            <a:schemeClr val="accent1"/>
+          </a:effectRef>
+          <a:fontRef idx="minor">
+            <a:schemeClr val="lt1"/>
+          </a:fontRef>
+        </p:style>
+        <p:txBody>
+          <a:bodyPr rtlCol="0" anchor="ctr"/>
+          <a:lstStyle/>
+          <a:p>
+            <a:pPr algn="ctr"/>
+            <a:endParaRPr lang="zh-TW" altLang="en-US"/>
+          </a:p>
+        </p:txBody>
+      </p:sp>
     </p:spTree>
     <p:extLst>
       <p:ext uri="{BB962C8B-B14F-4D97-AF65-F5344CB8AC3E}">
